--- a/ppt 16-9/1236.青春献于神.pptx
+++ b/ppt 16-9/1236.青春献于神.pptx
@@ -5,7 +5,7 @@
     <p:sldMasterId id="2147483648" r:id="rId1"/>
   </p:sldMasterIdLst>
   <p:sldIdLst>
-    <p:sldId id="774" r:id="rId2"/>
+    <p:sldId id="775" r:id="rId2"/>
   </p:sldIdLst>
   <p:sldSz cx="12192000" cy="6858000"/>
   <p:notesSz cx="6858000" cy="9144000"/>
@@ -129,7 +129,7 @@
           <p:cNvPr id="2" name="标题 1">
             <a:extLst>
               <a:ext uri="{FF2B5EF4-FFF2-40B4-BE49-F238E27FC236}">
-                <a16:creationId xmlns:a16="http://schemas.microsoft.com/office/drawing/2014/main" id="{A4CB968D-8A2E-0048-7420-83269B5A53A7}"/>
+                <a16:creationId xmlns:a16="http://schemas.microsoft.com/office/drawing/2014/main" id="{1375CB32-EC42-DA8A-7061-422593DEB281}"/>
               </a:ext>
             </a:extLst>
           </p:cNvPr>
@@ -166,7 +166,7 @@
           <p:cNvPr id="3" name="副标题 2">
             <a:extLst>
               <a:ext uri="{FF2B5EF4-FFF2-40B4-BE49-F238E27FC236}">
-                <a16:creationId xmlns:a16="http://schemas.microsoft.com/office/drawing/2014/main" id="{1B1718A5-04A3-4A45-BC2C-3FB00756F63C}"/>
+                <a16:creationId xmlns:a16="http://schemas.microsoft.com/office/drawing/2014/main" id="{ED9C2361-40B2-833D-AC43-7591AA0724FB}"/>
               </a:ext>
             </a:extLst>
           </p:cNvPr>
@@ -236,7 +236,7 @@
           <p:cNvPr id="4" name="日期占位符 3">
             <a:extLst>
               <a:ext uri="{FF2B5EF4-FFF2-40B4-BE49-F238E27FC236}">
-                <a16:creationId xmlns:a16="http://schemas.microsoft.com/office/drawing/2014/main" id="{D59599DD-62B2-40E7-927C-0B40E63F9371}"/>
+                <a16:creationId xmlns:a16="http://schemas.microsoft.com/office/drawing/2014/main" id="{8F866B7D-78CB-993A-12D2-E3AE93429CEB}"/>
               </a:ext>
             </a:extLst>
           </p:cNvPr>
@@ -252,7 +252,7 @@
           <a:bodyPr/>
           <a:lstStyle/>
           <a:p>
-            <a:fld id="{43BFFB1C-F858-4D1A-ACD4-29152371A5B4}" type="datetimeFigureOut">
+            <a:fld id="{B637280C-5F78-47FD-8E6B-0E55558C5A7D}" type="datetimeFigureOut">
               <a:rPr lang="zh-CN" altLang="en-US" smtClean="0"/>
               <a:t>2024/3/10</a:t>
             </a:fld>
@@ -265,7 +265,7 @@
           <p:cNvPr id="5" name="页脚占位符 4">
             <a:extLst>
               <a:ext uri="{FF2B5EF4-FFF2-40B4-BE49-F238E27FC236}">
-                <a16:creationId xmlns:a16="http://schemas.microsoft.com/office/drawing/2014/main" id="{5270B5AC-F25D-FC52-224F-39C3D26B1E4E}"/>
+                <a16:creationId xmlns:a16="http://schemas.microsoft.com/office/drawing/2014/main" id="{1DABE4FB-496E-CAAE-E20F-E6B60A6D25C0}"/>
               </a:ext>
             </a:extLst>
           </p:cNvPr>
@@ -290,7 +290,7 @@
           <p:cNvPr id="6" name="灯片编号占位符 5">
             <a:extLst>
               <a:ext uri="{FF2B5EF4-FFF2-40B4-BE49-F238E27FC236}">
-                <a16:creationId xmlns:a16="http://schemas.microsoft.com/office/drawing/2014/main" id="{014C6AE8-668F-28D1-5A35-6682A215819E}"/>
+                <a16:creationId xmlns:a16="http://schemas.microsoft.com/office/drawing/2014/main" id="{CB1A5DDF-C124-8D86-24DA-445C10A3B81E}"/>
               </a:ext>
             </a:extLst>
           </p:cNvPr>
@@ -306,7 +306,7 @@
           <a:bodyPr/>
           <a:lstStyle/>
           <a:p>
-            <a:fld id="{47CDEC8C-B9A0-4E40-A572-D8706F5DC74F}" type="slidenum">
+            <a:fld id="{E47BEAB8-929C-456C-A144-D2162FD1EAB3}" type="slidenum">
               <a:rPr lang="zh-CN" altLang="en-US" smtClean="0"/>
               <a:t>‹#›</a:t>
             </a:fld>
@@ -317,7 +317,7 @@
     </p:spTree>
     <p:extLst>
       <p:ext uri="{BB962C8B-B14F-4D97-AF65-F5344CB8AC3E}">
-        <p14:creationId xmlns:p14="http://schemas.microsoft.com/office/powerpoint/2010/main" val="3131485930"/>
+        <p14:creationId xmlns:p14="http://schemas.microsoft.com/office/powerpoint/2010/main" val="816730847"/>
       </p:ext>
     </p:extLst>
   </p:cSld>
@@ -349,7 +349,7 @@
           <p:cNvPr id="2" name="标题 1">
             <a:extLst>
               <a:ext uri="{FF2B5EF4-FFF2-40B4-BE49-F238E27FC236}">
-                <a16:creationId xmlns:a16="http://schemas.microsoft.com/office/drawing/2014/main" id="{CDC2C63F-9CF5-CBF9-F864-BB354EE1D71C}"/>
+                <a16:creationId xmlns:a16="http://schemas.microsoft.com/office/drawing/2014/main" id="{284FF4A5-2601-102D-E210-DC32A0282E4C}"/>
               </a:ext>
             </a:extLst>
           </p:cNvPr>
@@ -377,7 +377,7 @@
           <p:cNvPr id="3" name="竖排文字占位符 2">
             <a:extLst>
               <a:ext uri="{FF2B5EF4-FFF2-40B4-BE49-F238E27FC236}">
-                <a16:creationId xmlns:a16="http://schemas.microsoft.com/office/drawing/2014/main" id="{0B2E9565-8194-CFDC-CC6C-5599736EFF82}"/>
+                <a16:creationId xmlns:a16="http://schemas.microsoft.com/office/drawing/2014/main" id="{24B97C34-1837-9BCB-0A86-86F6070418B2}"/>
               </a:ext>
             </a:extLst>
           </p:cNvPr>
@@ -434,7 +434,7 @@
           <p:cNvPr id="4" name="日期占位符 3">
             <a:extLst>
               <a:ext uri="{FF2B5EF4-FFF2-40B4-BE49-F238E27FC236}">
-                <a16:creationId xmlns:a16="http://schemas.microsoft.com/office/drawing/2014/main" id="{A4C9ECB1-3858-B457-34A0-3C3ADE3CF2E2}"/>
+                <a16:creationId xmlns:a16="http://schemas.microsoft.com/office/drawing/2014/main" id="{93E2EE77-94F5-AB19-DD90-A8D1854674D9}"/>
               </a:ext>
             </a:extLst>
           </p:cNvPr>
@@ -450,7 +450,7 @@
           <a:bodyPr/>
           <a:lstStyle/>
           <a:p>
-            <a:fld id="{43BFFB1C-F858-4D1A-ACD4-29152371A5B4}" type="datetimeFigureOut">
+            <a:fld id="{B637280C-5F78-47FD-8E6B-0E55558C5A7D}" type="datetimeFigureOut">
               <a:rPr lang="zh-CN" altLang="en-US" smtClean="0"/>
               <a:t>2024/3/10</a:t>
             </a:fld>
@@ -463,7 +463,7 @@
           <p:cNvPr id="5" name="页脚占位符 4">
             <a:extLst>
               <a:ext uri="{FF2B5EF4-FFF2-40B4-BE49-F238E27FC236}">
-                <a16:creationId xmlns:a16="http://schemas.microsoft.com/office/drawing/2014/main" id="{9A38F8A5-FB33-A078-3D7D-CFA0C728DC11}"/>
+                <a16:creationId xmlns:a16="http://schemas.microsoft.com/office/drawing/2014/main" id="{6AA2E0A1-B6CB-45C5-F5F7-D356652411E4}"/>
               </a:ext>
             </a:extLst>
           </p:cNvPr>
@@ -488,7 +488,7 @@
           <p:cNvPr id="6" name="灯片编号占位符 5">
             <a:extLst>
               <a:ext uri="{FF2B5EF4-FFF2-40B4-BE49-F238E27FC236}">
-                <a16:creationId xmlns:a16="http://schemas.microsoft.com/office/drawing/2014/main" id="{B05D96B1-CD6F-F2CD-AE55-5443EBB41178}"/>
+                <a16:creationId xmlns:a16="http://schemas.microsoft.com/office/drawing/2014/main" id="{9716BFA5-F593-E833-9C73-C4D4D7B6F239}"/>
               </a:ext>
             </a:extLst>
           </p:cNvPr>
@@ -504,7 +504,7 @@
           <a:bodyPr/>
           <a:lstStyle/>
           <a:p>
-            <a:fld id="{47CDEC8C-B9A0-4E40-A572-D8706F5DC74F}" type="slidenum">
+            <a:fld id="{E47BEAB8-929C-456C-A144-D2162FD1EAB3}" type="slidenum">
               <a:rPr lang="zh-CN" altLang="en-US" smtClean="0"/>
               <a:t>‹#›</a:t>
             </a:fld>
@@ -515,7 +515,7 @@
     </p:spTree>
     <p:extLst>
       <p:ext uri="{BB962C8B-B14F-4D97-AF65-F5344CB8AC3E}">
-        <p14:creationId xmlns:p14="http://schemas.microsoft.com/office/powerpoint/2010/main" val="2961743611"/>
+        <p14:creationId xmlns:p14="http://schemas.microsoft.com/office/powerpoint/2010/main" val="2058255614"/>
       </p:ext>
     </p:extLst>
   </p:cSld>
@@ -547,7 +547,7 @@
           <p:cNvPr id="2" name="竖排标题 1">
             <a:extLst>
               <a:ext uri="{FF2B5EF4-FFF2-40B4-BE49-F238E27FC236}">
-                <a16:creationId xmlns:a16="http://schemas.microsoft.com/office/drawing/2014/main" id="{1AEC3AD8-135C-304D-7AF3-761081B1D42A}"/>
+                <a16:creationId xmlns:a16="http://schemas.microsoft.com/office/drawing/2014/main" id="{E52525BD-5408-2D14-ADB5-54BDEAD897E9}"/>
               </a:ext>
             </a:extLst>
           </p:cNvPr>
@@ -580,7 +580,7 @@
           <p:cNvPr id="3" name="竖排文字占位符 2">
             <a:extLst>
               <a:ext uri="{FF2B5EF4-FFF2-40B4-BE49-F238E27FC236}">
-                <a16:creationId xmlns:a16="http://schemas.microsoft.com/office/drawing/2014/main" id="{E43407DC-E271-9E9E-C3A1-E4BBF55633B5}"/>
+                <a16:creationId xmlns:a16="http://schemas.microsoft.com/office/drawing/2014/main" id="{84B8A911-3A3C-EBB1-95CC-1DE547CB2C66}"/>
               </a:ext>
             </a:extLst>
           </p:cNvPr>
@@ -642,7 +642,7 @@
           <p:cNvPr id="4" name="日期占位符 3">
             <a:extLst>
               <a:ext uri="{FF2B5EF4-FFF2-40B4-BE49-F238E27FC236}">
-                <a16:creationId xmlns:a16="http://schemas.microsoft.com/office/drawing/2014/main" id="{A83C87AB-AD9C-786A-E79B-BD460E8C5C8A}"/>
+                <a16:creationId xmlns:a16="http://schemas.microsoft.com/office/drawing/2014/main" id="{D3457C33-F691-25D6-B067-A689BF752177}"/>
               </a:ext>
             </a:extLst>
           </p:cNvPr>
@@ -658,7 +658,7 @@
           <a:bodyPr/>
           <a:lstStyle/>
           <a:p>
-            <a:fld id="{43BFFB1C-F858-4D1A-ACD4-29152371A5B4}" type="datetimeFigureOut">
+            <a:fld id="{B637280C-5F78-47FD-8E6B-0E55558C5A7D}" type="datetimeFigureOut">
               <a:rPr lang="zh-CN" altLang="en-US" smtClean="0"/>
               <a:t>2024/3/10</a:t>
             </a:fld>
@@ -671,7 +671,7 @@
           <p:cNvPr id="5" name="页脚占位符 4">
             <a:extLst>
               <a:ext uri="{FF2B5EF4-FFF2-40B4-BE49-F238E27FC236}">
-                <a16:creationId xmlns:a16="http://schemas.microsoft.com/office/drawing/2014/main" id="{3643334D-11DD-62AC-D9A4-A0CA170A3011}"/>
+                <a16:creationId xmlns:a16="http://schemas.microsoft.com/office/drawing/2014/main" id="{DDECCE1E-7C05-CE8A-A66E-7D32DC9A6E3A}"/>
               </a:ext>
             </a:extLst>
           </p:cNvPr>
@@ -696,7 +696,7 @@
           <p:cNvPr id="6" name="灯片编号占位符 5">
             <a:extLst>
               <a:ext uri="{FF2B5EF4-FFF2-40B4-BE49-F238E27FC236}">
-                <a16:creationId xmlns:a16="http://schemas.microsoft.com/office/drawing/2014/main" id="{5C505572-BBB6-7806-D1D5-211E99780741}"/>
+                <a16:creationId xmlns:a16="http://schemas.microsoft.com/office/drawing/2014/main" id="{6ED6ECA0-EC6E-F1D5-6B8F-F41B24580F7C}"/>
               </a:ext>
             </a:extLst>
           </p:cNvPr>
@@ -712,7 +712,7 @@
           <a:bodyPr/>
           <a:lstStyle/>
           <a:p>
-            <a:fld id="{47CDEC8C-B9A0-4E40-A572-D8706F5DC74F}" type="slidenum">
+            <a:fld id="{E47BEAB8-929C-456C-A144-D2162FD1EAB3}" type="slidenum">
               <a:rPr lang="zh-CN" altLang="en-US" smtClean="0"/>
               <a:t>‹#›</a:t>
             </a:fld>
@@ -723,7 +723,7 @@
     </p:spTree>
     <p:extLst>
       <p:ext uri="{BB962C8B-B14F-4D97-AF65-F5344CB8AC3E}">
-        <p14:creationId xmlns:p14="http://schemas.microsoft.com/office/powerpoint/2010/main" val="2712037490"/>
+        <p14:creationId xmlns:p14="http://schemas.microsoft.com/office/powerpoint/2010/main" val="1595981846"/>
       </p:ext>
     </p:extLst>
   </p:cSld>
@@ -755,7 +755,7 @@
           <p:cNvPr id="2" name="标题 1">
             <a:extLst>
               <a:ext uri="{FF2B5EF4-FFF2-40B4-BE49-F238E27FC236}">
-                <a16:creationId xmlns:a16="http://schemas.microsoft.com/office/drawing/2014/main" id="{6EDBB825-E52A-4EFF-55F7-5907E5A877B2}"/>
+                <a16:creationId xmlns:a16="http://schemas.microsoft.com/office/drawing/2014/main" id="{34B12862-C239-21C8-B68C-6289F0BDEED0}"/>
               </a:ext>
             </a:extLst>
           </p:cNvPr>
@@ -783,7 +783,7 @@
           <p:cNvPr id="3" name="内容占位符 2">
             <a:extLst>
               <a:ext uri="{FF2B5EF4-FFF2-40B4-BE49-F238E27FC236}">
-                <a16:creationId xmlns:a16="http://schemas.microsoft.com/office/drawing/2014/main" id="{DAB63796-7602-3B33-FAFE-D2F302AFB9CD}"/>
+                <a16:creationId xmlns:a16="http://schemas.microsoft.com/office/drawing/2014/main" id="{DFE904C7-4ED2-E1DF-206E-3A2C78A3463F}"/>
               </a:ext>
             </a:extLst>
           </p:cNvPr>
@@ -840,7 +840,7 @@
           <p:cNvPr id="4" name="日期占位符 3">
             <a:extLst>
               <a:ext uri="{FF2B5EF4-FFF2-40B4-BE49-F238E27FC236}">
-                <a16:creationId xmlns:a16="http://schemas.microsoft.com/office/drawing/2014/main" id="{0FB08C30-D199-25F5-1A9A-BF9C9EA75F1A}"/>
+                <a16:creationId xmlns:a16="http://schemas.microsoft.com/office/drawing/2014/main" id="{260DD194-3EC1-A3DE-B713-03BBC2C989F7}"/>
               </a:ext>
             </a:extLst>
           </p:cNvPr>
@@ -856,7 +856,7 @@
           <a:bodyPr/>
           <a:lstStyle/>
           <a:p>
-            <a:fld id="{43BFFB1C-F858-4D1A-ACD4-29152371A5B4}" type="datetimeFigureOut">
+            <a:fld id="{B637280C-5F78-47FD-8E6B-0E55558C5A7D}" type="datetimeFigureOut">
               <a:rPr lang="zh-CN" altLang="en-US" smtClean="0"/>
               <a:t>2024/3/10</a:t>
             </a:fld>
@@ -869,7 +869,7 @@
           <p:cNvPr id="5" name="页脚占位符 4">
             <a:extLst>
               <a:ext uri="{FF2B5EF4-FFF2-40B4-BE49-F238E27FC236}">
-                <a16:creationId xmlns:a16="http://schemas.microsoft.com/office/drawing/2014/main" id="{1B1744D8-FC2E-2E4C-DC98-59C051ED1824}"/>
+                <a16:creationId xmlns:a16="http://schemas.microsoft.com/office/drawing/2014/main" id="{26B7AC78-4E67-30B4-153D-58A0CDE29205}"/>
               </a:ext>
             </a:extLst>
           </p:cNvPr>
@@ -894,7 +894,7 @@
           <p:cNvPr id="6" name="灯片编号占位符 5">
             <a:extLst>
               <a:ext uri="{FF2B5EF4-FFF2-40B4-BE49-F238E27FC236}">
-                <a16:creationId xmlns:a16="http://schemas.microsoft.com/office/drawing/2014/main" id="{1C8D3B38-056E-355B-8A37-FB764B22CD5E}"/>
+                <a16:creationId xmlns:a16="http://schemas.microsoft.com/office/drawing/2014/main" id="{02C29AB6-9F5C-27E7-995E-DCA6399FB6FB}"/>
               </a:ext>
             </a:extLst>
           </p:cNvPr>
@@ -910,7 +910,7 @@
           <a:bodyPr/>
           <a:lstStyle/>
           <a:p>
-            <a:fld id="{47CDEC8C-B9A0-4E40-A572-D8706F5DC74F}" type="slidenum">
+            <a:fld id="{E47BEAB8-929C-456C-A144-D2162FD1EAB3}" type="slidenum">
               <a:rPr lang="zh-CN" altLang="en-US" smtClean="0"/>
               <a:t>‹#›</a:t>
             </a:fld>
@@ -921,7 +921,7 @@
     </p:spTree>
     <p:extLst>
       <p:ext uri="{BB962C8B-B14F-4D97-AF65-F5344CB8AC3E}">
-        <p14:creationId xmlns:p14="http://schemas.microsoft.com/office/powerpoint/2010/main" val="880973640"/>
+        <p14:creationId xmlns:p14="http://schemas.microsoft.com/office/powerpoint/2010/main" val="3569434239"/>
       </p:ext>
     </p:extLst>
   </p:cSld>
@@ -953,7 +953,7 @@
           <p:cNvPr id="2" name="标题 1">
             <a:extLst>
               <a:ext uri="{FF2B5EF4-FFF2-40B4-BE49-F238E27FC236}">
-                <a16:creationId xmlns:a16="http://schemas.microsoft.com/office/drawing/2014/main" id="{9E6A1E64-4F85-C85E-8231-A077C6E1BFBB}"/>
+                <a16:creationId xmlns:a16="http://schemas.microsoft.com/office/drawing/2014/main" id="{186960AE-080A-F737-8172-80152CCE84FF}"/>
               </a:ext>
             </a:extLst>
           </p:cNvPr>
@@ -990,7 +990,7 @@
           <p:cNvPr id="3" name="文本占位符 2">
             <a:extLst>
               <a:ext uri="{FF2B5EF4-FFF2-40B4-BE49-F238E27FC236}">
-                <a16:creationId xmlns:a16="http://schemas.microsoft.com/office/drawing/2014/main" id="{9B464BA3-7DCE-F594-E332-08D723D6103D}"/>
+                <a16:creationId xmlns:a16="http://schemas.microsoft.com/office/drawing/2014/main" id="{370D8D1E-F5CA-CDC8-288E-3E2F105215CA}"/>
               </a:ext>
             </a:extLst>
           </p:cNvPr>
@@ -1115,7 +1115,7 @@
           <p:cNvPr id="4" name="日期占位符 3">
             <a:extLst>
               <a:ext uri="{FF2B5EF4-FFF2-40B4-BE49-F238E27FC236}">
-                <a16:creationId xmlns:a16="http://schemas.microsoft.com/office/drawing/2014/main" id="{323A62B6-1BC2-D607-63E9-D97C51FACE0F}"/>
+                <a16:creationId xmlns:a16="http://schemas.microsoft.com/office/drawing/2014/main" id="{E0528F19-C17C-F7E6-F1F5-7551C32875E1}"/>
               </a:ext>
             </a:extLst>
           </p:cNvPr>
@@ -1131,7 +1131,7 @@
           <a:bodyPr/>
           <a:lstStyle/>
           <a:p>
-            <a:fld id="{43BFFB1C-F858-4D1A-ACD4-29152371A5B4}" type="datetimeFigureOut">
+            <a:fld id="{B637280C-5F78-47FD-8E6B-0E55558C5A7D}" type="datetimeFigureOut">
               <a:rPr lang="zh-CN" altLang="en-US" smtClean="0"/>
               <a:t>2024/3/10</a:t>
             </a:fld>
@@ -1144,7 +1144,7 @@
           <p:cNvPr id="5" name="页脚占位符 4">
             <a:extLst>
               <a:ext uri="{FF2B5EF4-FFF2-40B4-BE49-F238E27FC236}">
-                <a16:creationId xmlns:a16="http://schemas.microsoft.com/office/drawing/2014/main" id="{DD7EC6D3-2A46-4E34-97F3-02649528B829}"/>
+                <a16:creationId xmlns:a16="http://schemas.microsoft.com/office/drawing/2014/main" id="{E7718B21-384D-71AE-D6EA-F30816A2EF3F}"/>
               </a:ext>
             </a:extLst>
           </p:cNvPr>
@@ -1169,7 +1169,7 @@
           <p:cNvPr id="6" name="灯片编号占位符 5">
             <a:extLst>
               <a:ext uri="{FF2B5EF4-FFF2-40B4-BE49-F238E27FC236}">
-                <a16:creationId xmlns:a16="http://schemas.microsoft.com/office/drawing/2014/main" id="{6B27457A-6A52-8086-53FB-39E2092ACFA6}"/>
+                <a16:creationId xmlns:a16="http://schemas.microsoft.com/office/drawing/2014/main" id="{10D71D60-55A6-62D8-F29F-F4CF9F12DC25}"/>
               </a:ext>
             </a:extLst>
           </p:cNvPr>
@@ -1185,7 +1185,7 @@
           <a:bodyPr/>
           <a:lstStyle/>
           <a:p>
-            <a:fld id="{47CDEC8C-B9A0-4E40-A572-D8706F5DC74F}" type="slidenum">
+            <a:fld id="{E47BEAB8-929C-456C-A144-D2162FD1EAB3}" type="slidenum">
               <a:rPr lang="zh-CN" altLang="en-US" smtClean="0"/>
               <a:t>‹#›</a:t>
             </a:fld>
@@ -1196,7 +1196,7 @@
     </p:spTree>
     <p:extLst>
       <p:ext uri="{BB962C8B-B14F-4D97-AF65-F5344CB8AC3E}">
-        <p14:creationId xmlns:p14="http://schemas.microsoft.com/office/powerpoint/2010/main" val="4139088371"/>
+        <p14:creationId xmlns:p14="http://schemas.microsoft.com/office/powerpoint/2010/main" val="4206315873"/>
       </p:ext>
     </p:extLst>
   </p:cSld>
@@ -1228,7 +1228,7 @@
           <p:cNvPr id="2" name="标题 1">
             <a:extLst>
               <a:ext uri="{FF2B5EF4-FFF2-40B4-BE49-F238E27FC236}">
-                <a16:creationId xmlns:a16="http://schemas.microsoft.com/office/drawing/2014/main" id="{3AFEB58F-04CB-6785-27A9-4160D66497ED}"/>
+                <a16:creationId xmlns:a16="http://schemas.microsoft.com/office/drawing/2014/main" id="{11EB170A-7912-FFD5-E217-251E474C4464}"/>
               </a:ext>
             </a:extLst>
           </p:cNvPr>
@@ -1256,7 +1256,7 @@
           <p:cNvPr id="3" name="内容占位符 2">
             <a:extLst>
               <a:ext uri="{FF2B5EF4-FFF2-40B4-BE49-F238E27FC236}">
-                <a16:creationId xmlns:a16="http://schemas.microsoft.com/office/drawing/2014/main" id="{B986CB46-ED22-F5AC-DECA-66FD57B2B954}"/>
+                <a16:creationId xmlns:a16="http://schemas.microsoft.com/office/drawing/2014/main" id="{403ABF8B-CD1B-F763-ACEC-72BF0AF6D97C}"/>
               </a:ext>
             </a:extLst>
           </p:cNvPr>
@@ -1318,7 +1318,7 @@
           <p:cNvPr id="4" name="内容占位符 3">
             <a:extLst>
               <a:ext uri="{FF2B5EF4-FFF2-40B4-BE49-F238E27FC236}">
-                <a16:creationId xmlns:a16="http://schemas.microsoft.com/office/drawing/2014/main" id="{0510C874-8A96-5E3F-F659-3FC0AB17BF55}"/>
+                <a16:creationId xmlns:a16="http://schemas.microsoft.com/office/drawing/2014/main" id="{95CDFFB6-2983-0FBF-1323-09A24259FAAB}"/>
               </a:ext>
             </a:extLst>
           </p:cNvPr>
@@ -1380,7 +1380,7 @@
           <p:cNvPr id="5" name="日期占位符 4">
             <a:extLst>
               <a:ext uri="{FF2B5EF4-FFF2-40B4-BE49-F238E27FC236}">
-                <a16:creationId xmlns:a16="http://schemas.microsoft.com/office/drawing/2014/main" id="{FB30CD71-ECE9-7E44-9BE9-9E268381FD47}"/>
+                <a16:creationId xmlns:a16="http://schemas.microsoft.com/office/drawing/2014/main" id="{1C9AEF8D-A107-3076-87FD-8A9C8B81EFD2}"/>
               </a:ext>
             </a:extLst>
           </p:cNvPr>
@@ -1396,7 +1396,7 @@
           <a:bodyPr/>
           <a:lstStyle/>
           <a:p>
-            <a:fld id="{43BFFB1C-F858-4D1A-ACD4-29152371A5B4}" type="datetimeFigureOut">
+            <a:fld id="{B637280C-5F78-47FD-8E6B-0E55558C5A7D}" type="datetimeFigureOut">
               <a:rPr lang="zh-CN" altLang="en-US" smtClean="0"/>
               <a:t>2024/3/10</a:t>
             </a:fld>
@@ -1409,7 +1409,7 @@
           <p:cNvPr id="6" name="页脚占位符 5">
             <a:extLst>
               <a:ext uri="{FF2B5EF4-FFF2-40B4-BE49-F238E27FC236}">
-                <a16:creationId xmlns:a16="http://schemas.microsoft.com/office/drawing/2014/main" id="{88990ED9-62FD-2EE7-A1ED-DE27CB5CB275}"/>
+                <a16:creationId xmlns:a16="http://schemas.microsoft.com/office/drawing/2014/main" id="{A517DCF7-C739-CDF3-7C3C-900FCEED8369}"/>
               </a:ext>
             </a:extLst>
           </p:cNvPr>
@@ -1434,7 +1434,7 @@
           <p:cNvPr id="7" name="灯片编号占位符 6">
             <a:extLst>
               <a:ext uri="{FF2B5EF4-FFF2-40B4-BE49-F238E27FC236}">
-                <a16:creationId xmlns:a16="http://schemas.microsoft.com/office/drawing/2014/main" id="{BA5EF5AE-B1CF-FA83-4FD3-AA1D84F21BA3}"/>
+                <a16:creationId xmlns:a16="http://schemas.microsoft.com/office/drawing/2014/main" id="{3B2C7685-CB11-6CDF-DB11-74519A8AF7EA}"/>
               </a:ext>
             </a:extLst>
           </p:cNvPr>
@@ -1450,7 +1450,7 @@
           <a:bodyPr/>
           <a:lstStyle/>
           <a:p>
-            <a:fld id="{47CDEC8C-B9A0-4E40-A572-D8706F5DC74F}" type="slidenum">
+            <a:fld id="{E47BEAB8-929C-456C-A144-D2162FD1EAB3}" type="slidenum">
               <a:rPr lang="zh-CN" altLang="en-US" smtClean="0"/>
               <a:t>‹#›</a:t>
             </a:fld>
@@ -1461,7 +1461,7 @@
     </p:spTree>
     <p:extLst>
       <p:ext uri="{BB962C8B-B14F-4D97-AF65-F5344CB8AC3E}">
-        <p14:creationId xmlns:p14="http://schemas.microsoft.com/office/powerpoint/2010/main" val="3723242926"/>
+        <p14:creationId xmlns:p14="http://schemas.microsoft.com/office/powerpoint/2010/main" val="1629357581"/>
       </p:ext>
     </p:extLst>
   </p:cSld>
@@ -1493,7 +1493,7 @@
           <p:cNvPr id="2" name="标题 1">
             <a:extLst>
               <a:ext uri="{FF2B5EF4-FFF2-40B4-BE49-F238E27FC236}">
-                <a16:creationId xmlns:a16="http://schemas.microsoft.com/office/drawing/2014/main" id="{C3B5218E-0F07-EAC4-3A2D-DAFCD7D8E144}"/>
+                <a16:creationId xmlns:a16="http://schemas.microsoft.com/office/drawing/2014/main" id="{5484795C-777F-A282-1E2F-CB71B3D6EA65}"/>
               </a:ext>
             </a:extLst>
           </p:cNvPr>
@@ -1526,7 +1526,7 @@
           <p:cNvPr id="3" name="文本占位符 2">
             <a:extLst>
               <a:ext uri="{FF2B5EF4-FFF2-40B4-BE49-F238E27FC236}">
-                <a16:creationId xmlns:a16="http://schemas.microsoft.com/office/drawing/2014/main" id="{4F97C5AB-7397-0F85-A2C5-D73971D141C1}"/>
+                <a16:creationId xmlns:a16="http://schemas.microsoft.com/office/drawing/2014/main" id="{423AE9A9-E9BA-3A21-DB97-C98908B00DF9}"/>
               </a:ext>
             </a:extLst>
           </p:cNvPr>
@@ -1597,7 +1597,7 @@
           <p:cNvPr id="4" name="内容占位符 3">
             <a:extLst>
               <a:ext uri="{FF2B5EF4-FFF2-40B4-BE49-F238E27FC236}">
-                <a16:creationId xmlns:a16="http://schemas.microsoft.com/office/drawing/2014/main" id="{057E62ED-CACA-84B0-A725-D2BD98867729}"/>
+                <a16:creationId xmlns:a16="http://schemas.microsoft.com/office/drawing/2014/main" id="{6D5C059A-967D-9F79-07D4-75FB08D8BE9D}"/>
               </a:ext>
             </a:extLst>
           </p:cNvPr>
@@ -1659,7 +1659,7 @@
           <p:cNvPr id="5" name="文本占位符 4">
             <a:extLst>
               <a:ext uri="{FF2B5EF4-FFF2-40B4-BE49-F238E27FC236}">
-                <a16:creationId xmlns:a16="http://schemas.microsoft.com/office/drawing/2014/main" id="{58FA88F2-DFC8-7A71-880F-C2D47A3376FE}"/>
+                <a16:creationId xmlns:a16="http://schemas.microsoft.com/office/drawing/2014/main" id="{60A110A1-DFB6-1394-494A-E7598A8CCDB7}"/>
               </a:ext>
             </a:extLst>
           </p:cNvPr>
@@ -1730,7 +1730,7 @@
           <p:cNvPr id="6" name="内容占位符 5">
             <a:extLst>
               <a:ext uri="{FF2B5EF4-FFF2-40B4-BE49-F238E27FC236}">
-                <a16:creationId xmlns:a16="http://schemas.microsoft.com/office/drawing/2014/main" id="{26E08B26-D273-187F-883F-E741B4600879}"/>
+                <a16:creationId xmlns:a16="http://schemas.microsoft.com/office/drawing/2014/main" id="{71B1FA52-2987-14E3-AFAD-6C09B35A4046}"/>
               </a:ext>
             </a:extLst>
           </p:cNvPr>
@@ -1792,7 +1792,7 @@
           <p:cNvPr id="7" name="日期占位符 6">
             <a:extLst>
               <a:ext uri="{FF2B5EF4-FFF2-40B4-BE49-F238E27FC236}">
-                <a16:creationId xmlns:a16="http://schemas.microsoft.com/office/drawing/2014/main" id="{4FA95FFD-E380-8F2C-06C8-87388C726990}"/>
+                <a16:creationId xmlns:a16="http://schemas.microsoft.com/office/drawing/2014/main" id="{D84E6DE9-5630-1792-6FFB-BC3CE59228BA}"/>
               </a:ext>
             </a:extLst>
           </p:cNvPr>
@@ -1808,7 +1808,7 @@
           <a:bodyPr/>
           <a:lstStyle/>
           <a:p>
-            <a:fld id="{43BFFB1C-F858-4D1A-ACD4-29152371A5B4}" type="datetimeFigureOut">
+            <a:fld id="{B637280C-5F78-47FD-8E6B-0E55558C5A7D}" type="datetimeFigureOut">
               <a:rPr lang="zh-CN" altLang="en-US" smtClean="0"/>
               <a:t>2024/3/10</a:t>
             </a:fld>
@@ -1821,7 +1821,7 @@
           <p:cNvPr id="8" name="页脚占位符 7">
             <a:extLst>
               <a:ext uri="{FF2B5EF4-FFF2-40B4-BE49-F238E27FC236}">
-                <a16:creationId xmlns:a16="http://schemas.microsoft.com/office/drawing/2014/main" id="{ABAD30D2-E70E-86EF-758A-53AED108F342}"/>
+                <a16:creationId xmlns:a16="http://schemas.microsoft.com/office/drawing/2014/main" id="{4E2840AC-4728-9D25-193A-563BAA5CCEBE}"/>
               </a:ext>
             </a:extLst>
           </p:cNvPr>
@@ -1846,7 +1846,7 @@
           <p:cNvPr id="9" name="灯片编号占位符 8">
             <a:extLst>
               <a:ext uri="{FF2B5EF4-FFF2-40B4-BE49-F238E27FC236}">
-                <a16:creationId xmlns:a16="http://schemas.microsoft.com/office/drawing/2014/main" id="{2F7E30B8-AA90-55FE-8489-5EDA4590412D}"/>
+                <a16:creationId xmlns:a16="http://schemas.microsoft.com/office/drawing/2014/main" id="{306DF08F-DA59-5533-C21F-E2A082181898}"/>
               </a:ext>
             </a:extLst>
           </p:cNvPr>
@@ -1862,7 +1862,7 @@
           <a:bodyPr/>
           <a:lstStyle/>
           <a:p>
-            <a:fld id="{47CDEC8C-B9A0-4E40-A572-D8706F5DC74F}" type="slidenum">
+            <a:fld id="{E47BEAB8-929C-456C-A144-D2162FD1EAB3}" type="slidenum">
               <a:rPr lang="zh-CN" altLang="en-US" smtClean="0"/>
               <a:t>‹#›</a:t>
             </a:fld>
@@ -1873,7 +1873,7 @@
     </p:spTree>
     <p:extLst>
       <p:ext uri="{BB962C8B-B14F-4D97-AF65-F5344CB8AC3E}">
-        <p14:creationId xmlns:p14="http://schemas.microsoft.com/office/powerpoint/2010/main" val="3330574348"/>
+        <p14:creationId xmlns:p14="http://schemas.microsoft.com/office/powerpoint/2010/main" val="80511077"/>
       </p:ext>
     </p:extLst>
   </p:cSld>
@@ -1905,7 +1905,7 @@
           <p:cNvPr id="2" name="标题 1">
             <a:extLst>
               <a:ext uri="{FF2B5EF4-FFF2-40B4-BE49-F238E27FC236}">
-                <a16:creationId xmlns:a16="http://schemas.microsoft.com/office/drawing/2014/main" id="{2D9CCA5C-0310-6B38-17E9-710AA909CA18}"/>
+                <a16:creationId xmlns:a16="http://schemas.microsoft.com/office/drawing/2014/main" id="{AA9B183D-05BA-9D9B-37F9-C3374771F609}"/>
               </a:ext>
             </a:extLst>
           </p:cNvPr>
@@ -1933,7 +1933,7 @@
           <p:cNvPr id="3" name="日期占位符 2">
             <a:extLst>
               <a:ext uri="{FF2B5EF4-FFF2-40B4-BE49-F238E27FC236}">
-                <a16:creationId xmlns:a16="http://schemas.microsoft.com/office/drawing/2014/main" id="{23F5E404-ED65-5F4F-44F9-60E00FD70289}"/>
+                <a16:creationId xmlns:a16="http://schemas.microsoft.com/office/drawing/2014/main" id="{93182065-0299-86F1-EB95-E4A9CFE55607}"/>
               </a:ext>
             </a:extLst>
           </p:cNvPr>
@@ -1949,7 +1949,7 @@
           <a:bodyPr/>
           <a:lstStyle/>
           <a:p>
-            <a:fld id="{43BFFB1C-F858-4D1A-ACD4-29152371A5B4}" type="datetimeFigureOut">
+            <a:fld id="{B637280C-5F78-47FD-8E6B-0E55558C5A7D}" type="datetimeFigureOut">
               <a:rPr lang="zh-CN" altLang="en-US" smtClean="0"/>
               <a:t>2024/3/10</a:t>
             </a:fld>
@@ -1962,7 +1962,7 @@
           <p:cNvPr id="4" name="页脚占位符 3">
             <a:extLst>
               <a:ext uri="{FF2B5EF4-FFF2-40B4-BE49-F238E27FC236}">
-                <a16:creationId xmlns:a16="http://schemas.microsoft.com/office/drawing/2014/main" id="{91ECF900-1C72-53E0-F816-F1C4A1663082}"/>
+                <a16:creationId xmlns:a16="http://schemas.microsoft.com/office/drawing/2014/main" id="{F0953066-9BC7-0309-91AA-3A58FBB8CA29}"/>
               </a:ext>
             </a:extLst>
           </p:cNvPr>
@@ -1987,7 +1987,7 @@
           <p:cNvPr id="5" name="灯片编号占位符 4">
             <a:extLst>
               <a:ext uri="{FF2B5EF4-FFF2-40B4-BE49-F238E27FC236}">
-                <a16:creationId xmlns:a16="http://schemas.microsoft.com/office/drawing/2014/main" id="{CCFEC8FF-A005-2C64-CD65-F24CAF74F83F}"/>
+                <a16:creationId xmlns:a16="http://schemas.microsoft.com/office/drawing/2014/main" id="{90C767FB-CEB8-5D99-5C45-3CB5FC68B7AE}"/>
               </a:ext>
             </a:extLst>
           </p:cNvPr>
@@ -2003,7 +2003,7 @@
           <a:bodyPr/>
           <a:lstStyle/>
           <a:p>
-            <a:fld id="{47CDEC8C-B9A0-4E40-A572-D8706F5DC74F}" type="slidenum">
+            <a:fld id="{E47BEAB8-929C-456C-A144-D2162FD1EAB3}" type="slidenum">
               <a:rPr lang="zh-CN" altLang="en-US" smtClean="0"/>
               <a:t>‹#›</a:t>
             </a:fld>
@@ -2014,7 +2014,7 @@
     </p:spTree>
     <p:extLst>
       <p:ext uri="{BB962C8B-B14F-4D97-AF65-F5344CB8AC3E}">
-        <p14:creationId xmlns:p14="http://schemas.microsoft.com/office/powerpoint/2010/main" val="1066383254"/>
+        <p14:creationId xmlns:p14="http://schemas.microsoft.com/office/powerpoint/2010/main" val="3856334311"/>
       </p:ext>
     </p:extLst>
   </p:cSld>
@@ -2046,7 +2046,7 @@
           <p:cNvPr id="2" name="日期占位符 1">
             <a:extLst>
               <a:ext uri="{FF2B5EF4-FFF2-40B4-BE49-F238E27FC236}">
-                <a16:creationId xmlns:a16="http://schemas.microsoft.com/office/drawing/2014/main" id="{079B29E8-241E-0B09-1D7D-ACED19A4D795}"/>
+                <a16:creationId xmlns:a16="http://schemas.microsoft.com/office/drawing/2014/main" id="{17ECF4E9-675B-CA8B-051D-0F1191354FDA}"/>
               </a:ext>
             </a:extLst>
           </p:cNvPr>
@@ -2062,7 +2062,7 @@
           <a:bodyPr/>
           <a:lstStyle/>
           <a:p>
-            <a:fld id="{43BFFB1C-F858-4D1A-ACD4-29152371A5B4}" type="datetimeFigureOut">
+            <a:fld id="{B637280C-5F78-47FD-8E6B-0E55558C5A7D}" type="datetimeFigureOut">
               <a:rPr lang="zh-CN" altLang="en-US" smtClean="0"/>
               <a:t>2024/3/10</a:t>
             </a:fld>
@@ -2075,7 +2075,7 @@
           <p:cNvPr id="3" name="页脚占位符 2">
             <a:extLst>
               <a:ext uri="{FF2B5EF4-FFF2-40B4-BE49-F238E27FC236}">
-                <a16:creationId xmlns:a16="http://schemas.microsoft.com/office/drawing/2014/main" id="{50CE8DA7-C8B2-7D3F-01BB-E6F5AD11FBFE}"/>
+                <a16:creationId xmlns:a16="http://schemas.microsoft.com/office/drawing/2014/main" id="{6AD6A4EA-5A11-71DD-7A8B-9662E70DAD7E}"/>
               </a:ext>
             </a:extLst>
           </p:cNvPr>
@@ -2100,7 +2100,7 @@
           <p:cNvPr id="4" name="灯片编号占位符 3">
             <a:extLst>
               <a:ext uri="{FF2B5EF4-FFF2-40B4-BE49-F238E27FC236}">
-                <a16:creationId xmlns:a16="http://schemas.microsoft.com/office/drawing/2014/main" id="{41302ED5-F4D4-6915-0BA5-12FFC2B9F515}"/>
+                <a16:creationId xmlns:a16="http://schemas.microsoft.com/office/drawing/2014/main" id="{BA0883F1-B1C2-3200-BD87-9351551CF1B0}"/>
               </a:ext>
             </a:extLst>
           </p:cNvPr>
@@ -2116,7 +2116,7 @@
           <a:bodyPr/>
           <a:lstStyle/>
           <a:p>
-            <a:fld id="{47CDEC8C-B9A0-4E40-A572-D8706F5DC74F}" type="slidenum">
+            <a:fld id="{E47BEAB8-929C-456C-A144-D2162FD1EAB3}" type="slidenum">
               <a:rPr lang="zh-CN" altLang="en-US" smtClean="0"/>
               <a:t>‹#›</a:t>
             </a:fld>
@@ -2127,7 +2127,7 @@
     </p:spTree>
     <p:extLst>
       <p:ext uri="{BB962C8B-B14F-4D97-AF65-F5344CB8AC3E}">
-        <p14:creationId xmlns:p14="http://schemas.microsoft.com/office/powerpoint/2010/main" val="1882734802"/>
+        <p14:creationId xmlns:p14="http://schemas.microsoft.com/office/powerpoint/2010/main" val="3194337216"/>
       </p:ext>
     </p:extLst>
   </p:cSld>
@@ -2159,7 +2159,7 @@
           <p:cNvPr id="2" name="标题 1">
             <a:extLst>
               <a:ext uri="{FF2B5EF4-FFF2-40B4-BE49-F238E27FC236}">
-                <a16:creationId xmlns:a16="http://schemas.microsoft.com/office/drawing/2014/main" id="{7000BAA0-F451-86FD-FB72-5D002FFB7347}"/>
+                <a16:creationId xmlns:a16="http://schemas.microsoft.com/office/drawing/2014/main" id="{DB03C4A6-F80F-35FE-5C57-30C980BE932C}"/>
               </a:ext>
             </a:extLst>
           </p:cNvPr>
@@ -2196,7 +2196,7 @@
           <p:cNvPr id="3" name="内容占位符 2">
             <a:extLst>
               <a:ext uri="{FF2B5EF4-FFF2-40B4-BE49-F238E27FC236}">
-                <a16:creationId xmlns:a16="http://schemas.microsoft.com/office/drawing/2014/main" id="{7C04678C-DE0E-A800-EE6C-A9953B495A2F}"/>
+                <a16:creationId xmlns:a16="http://schemas.microsoft.com/office/drawing/2014/main" id="{193CFC69-1EE1-9428-5312-A2CBB47EB3A6}"/>
               </a:ext>
             </a:extLst>
           </p:cNvPr>
@@ -2286,7 +2286,7 @@
           <p:cNvPr id="4" name="文本占位符 3">
             <a:extLst>
               <a:ext uri="{FF2B5EF4-FFF2-40B4-BE49-F238E27FC236}">
-                <a16:creationId xmlns:a16="http://schemas.microsoft.com/office/drawing/2014/main" id="{34DBFD40-FC85-A656-4629-109E00EB9B01}"/>
+                <a16:creationId xmlns:a16="http://schemas.microsoft.com/office/drawing/2014/main" id="{C8FC16E1-4CC1-7D13-5F3A-A2B425B7CE66}"/>
               </a:ext>
             </a:extLst>
           </p:cNvPr>
@@ -2357,7 +2357,7 @@
           <p:cNvPr id="5" name="日期占位符 4">
             <a:extLst>
               <a:ext uri="{FF2B5EF4-FFF2-40B4-BE49-F238E27FC236}">
-                <a16:creationId xmlns:a16="http://schemas.microsoft.com/office/drawing/2014/main" id="{33FE48AC-4A58-56C0-0C61-C61E504CE052}"/>
+                <a16:creationId xmlns:a16="http://schemas.microsoft.com/office/drawing/2014/main" id="{D1B0C6F4-FA00-114A-0EEA-580149C851FB}"/>
               </a:ext>
             </a:extLst>
           </p:cNvPr>
@@ -2373,7 +2373,7 @@
           <a:bodyPr/>
           <a:lstStyle/>
           <a:p>
-            <a:fld id="{43BFFB1C-F858-4D1A-ACD4-29152371A5B4}" type="datetimeFigureOut">
+            <a:fld id="{B637280C-5F78-47FD-8E6B-0E55558C5A7D}" type="datetimeFigureOut">
               <a:rPr lang="zh-CN" altLang="en-US" smtClean="0"/>
               <a:t>2024/3/10</a:t>
             </a:fld>
@@ -2386,7 +2386,7 @@
           <p:cNvPr id="6" name="页脚占位符 5">
             <a:extLst>
               <a:ext uri="{FF2B5EF4-FFF2-40B4-BE49-F238E27FC236}">
-                <a16:creationId xmlns:a16="http://schemas.microsoft.com/office/drawing/2014/main" id="{96D15216-AE05-5CAE-2F4E-F0E064C2F1F2}"/>
+                <a16:creationId xmlns:a16="http://schemas.microsoft.com/office/drawing/2014/main" id="{CEC2522A-CB66-62C2-BAED-686E210369C8}"/>
               </a:ext>
             </a:extLst>
           </p:cNvPr>
@@ -2411,7 +2411,7 @@
           <p:cNvPr id="7" name="灯片编号占位符 6">
             <a:extLst>
               <a:ext uri="{FF2B5EF4-FFF2-40B4-BE49-F238E27FC236}">
-                <a16:creationId xmlns:a16="http://schemas.microsoft.com/office/drawing/2014/main" id="{534FA0CB-6DB8-A91D-4393-1FDE0EEB4E40}"/>
+                <a16:creationId xmlns:a16="http://schemas.microsoft.com/office/drawing/2014/main" id="{406C7275-C1DF-9573-B556-E6A5949E17D4}"/>
               </a:ext>
             </a:extLst>
           </p:cNvPr>
@@ -2427,7 +2427,7 @@
           <a:bodyPr/>
           <a:lstStyle/>
           <a:p>
-            <a:fld id="{47CDEC8C-B9A0-4E40-A572-D8706F5DC74F}" type="slidenum">
+            <a:fld id="{E47BEAB8-929C-456C-A144-D2162FD1EAB3}" type="slidenum">
               <a:rPr lang="zh-CN" altLang="en-US" smtClean="0"/>
               <a:t>‹#›</a:t>
             </a:fld>
@@ -2438,7 +2438,7 @@
     </p:spTree>
     <p:extLst>
       <p:ext uri="{BB962C8B-B14F-4D97-AF65-F5344CB8AC3E}">
-        <p14:creationId xmlns:p14="http://schemas.microsoft.com/office/powerpoint/2010/main" val="3815089826"/>
+        <p14:creationId xmlns:p14="http://schemas.microsoft.com/office/powerpoint/2010/main" val="2510102049"/>
       </p:ext>
     </p:extLst>
   </p:cSld>
@@ -2470,7 +2470,7 @@
           <p:cNvPr id="2" name="标题 1">
             <a:extLst>
               <a:ext uri="{FF2B5EF4-FFF2-40B4-BE49-F238E27FC236}">
-                <a16:creationId xmlns:a16="http://schemas.microsoft.com/office/drawing/2014/main" id="{8FF0C3F4-FCF7-C3B8-E118-B7A50DB356D3}"/>
+                <a16:creationId xmlns:a16="http://schemas.microsoft.com/office/drawing/2014/main" id="{BF231420-9598-5908-C8E2-8837A1180C15}"/>
               </a:ext>
             </a:extLst>
           </p:cNvPr>
@@ -2507,7 +2507,7 @@
           <p:cNvPr id="3" name="图片占位符 2">
             <a:extLst>
               <a:ext uri="{FF2B5EF4-FFF2-40B4-BE49-F238E27FC236}">
-                <a16:creationId xmlns:a16="http://schemas.microsoft.com/office/drawing/2014/main" id="{8B90654E-3BE8-70F6-8DBB-3B4733668A7E}"/>
+                <a16:creationId xmlns:a16="http://schemas.microsoft.com/office/drawing/2014/main" id="{AF056A09-9908-F2D3-5FA3-711FB8592BE0}"/>
               </a:ext>
             </a:extLst>
           </p:cNvPr>
@@ -2574,7 +2574,7 @@
           <p:cNvPr id="4" name="文本占位符 3">
             <a:extLst>
               <a:ext uri="{FF2B5EF4-FFF2-40B4-BE49-F238E27FC236}">
-                <a16:creationId xmlns:a16="http://schemas.microsoft.com/office/drawing/2014/main" id="{FAB8447C-BC76-9ACF-B6FD-1A48683D5822}"/>
+                <a16:creationId xmlns:a16="http://schemas.microsoft.com/office/drawing/2014/main" id="{BF54A7A6-534D-7013-89DA-356C23A9A97A}"/>
               </a:ext>
             </a:extLst>
           </p:cNvPr>
@@ -2645,7 +2645,7 @@
           <p:cNvPr id="5" name="日期占位符 4">
             <a:extLst>
               <a:ext uri="{FF2B5EF4-FFF2-40B4-BE49-F238E27FC236}">
-                <a16:creationId xmlns:a16="http://schemas.microsoft.com/office/drawing/2014/main" id="{59EDAE20-E3D8-AA72-102F-69AEE44249F2}"/>
+                <a16:creationId xmlns:a16="http://schemas.microsoft.com/office/drawing/2014/main" id="{99890268-92DB-121A-01FC-434AF93FE0A3}"/>
               </a:ext>
             </a:extLst>
           </p:cNvPr>
@@ -2661,7 +2661,7 @@
           <a:bodyPr/>
           <a:lstStyle/>
           <a:p>
-            <a:fld id="{43BFFB1C-F858-4D1A-ACD4-29152371A5B4}" type="datetimeFigureOut">
+            <a:fld id="{B637280C-5F78-47FD-8E6B-0E55558C5A7D}" type="datetimeFigureOut">
               <a:rPr lang="zh-CN" altLang="en-US" smtClean="0"/>
               <a:t>2024/3/10</a:t>
             </a:fld>
@@ -2674,7 +2674,7 @@
           <p:cNvPr id="6" name="页脚占位符 5">
             <a:extLst>
               <a:ext uri="{FF2B5EF4-FFF2-40B4-BE49-F238E27FC236}">
-                <a16:creationId xmlns:a16="http://schemas.microsoft.com/office/drawing/2014/main" id="{FF9499CD-E7CF-3DEA-109F-9E6B99038B1E}"/>
+                <a16:creationId xmlns:a16="http://schemas.microsoft.com/office/drawing/2014/main" id="{42457FAE-7F15-54B9-2F95-B61FEB840600}"/>
               </a:ext>
             </a:extLst>
           </p:cNvPr>
@@ -2699,7 +2699,7 @@
           <p:cNvPr id="7" name="灯片编号占位符 6">
             <a:extLst>
               <a:ext uri="{FF2B5EF4-FFF2-40B4-BE49-F238E27FC236}">
-                <a16:creationId xmlns:a16="http://schemas.microsoft.com/office/drawing/2014/main" id="{D4AA94E6-900B-A3FF-EE7A-8F51E550CF96}"/>
+                <a16:creationId xmlns:a16="http://schemas.microsoft.com/office/drawing/2014/main" id="{4D110E77-3CB2-7D99-125F-FAD58183EFF4}"/>
               </a:ext>
             </a:extLst>
           </p:cNvPr>
@@ -2715,7 +2715,7 @@
           <a:bodyPr/>
           <a:lstStyle/>
           <a:p>
-            <a:fld id="{47CDEC8C-B9A0-4E40-A572-D8706F5DC74F}" type="slidenum">
+            <a:fld id="{E47BEAB8-929C-456C-A144-D2162FD1EAB3}" type="slidenum">
               <a:rPr lang="zh-CN" altLang="en-US" smtClean="0"/>
               <a:t>‹#›</a:t>
             </a:fld>
@@ -2726,7 +2726,7 @@
     </p:spTree>
     <p:extLst>
       <p:ext uri="{BB962C8B-B14F-4D97-AF65-F5344CB8AC3E}">
-        <p14:creationId xmlns:p14="http://schemas.microsoft.com/office/powerpoint/2010/main" val="2082439683"/>
+        <p14:creationId xmlns:p14="http://schemas.microsoft.com/office/powerpoint/2010/main" val="3896789490"/>
       </p:ext>
     </p:extLst>
   </p:cSld>
@@ -2763,7 +2763,7 @@
           <p:cNvPr id="2" name="标题占位符 1">
             <a:extLst>
               <a:ext uri="{FF2B5EF4-FFF2-40B4-BE49-F238E27FC236}">
-                <a16:creationId xmlns:a16="http://schemas.microsoft.com/office/drawing/2014/main" id="{B558C6E6-BE78-70C2-2727-EA88923591F8}"/>
+                <a16:creationId xmlns:a16="http://schemas.microsoft.com/office/drawing/2014/main" id="{7B256F9F-3ABC-7B53-89CD-79F49850A885}"/>
               </a:ext>
             </a:extLst>
           </p:cNvPr>
@@ -2801,7 +2801,7 @@
           <p:cNvPr id="3" name="文本占位符 2">
             <a:extLst>
               <a:ext uri="{FF2B5EF4-FFF2-40B4-BE49-F238E27FC236}">
-                <a16:creationId xmlns:a16="http://schemas.microsoft.com/office/drawing/2014/main" id="{BAAE0DBC-D32C-D8D9-FA93-72EC3BB18428}"/>
+                <a16:creationId xmlns:a16="http://schemas.microsoft.com/office/drawing/2014/main" id="{C4CDF0F2-7AFB-B6A5-2DD5-FFA30B7B38D3}"/>
               </a:ext>
             </a:extLst>
           </p:cNvPr>
@@ -2868,7 +2868,7 @@
           <p:cNvPr id="4" name="日期占位符 3">
             <a:extLst>
               <a:ext uri="{FF2B5EF4-FFF2-40B4-BE49-F238E27FC236}">
-                <a16:creationId xmlns:a16="http://schemas.microsoft.com/office/drawing/2014/main" id="{10C0DD5C-FF5F-E84D-8484-10E8C59C980E}"/>
+                <a16:creationId xmlns:a16="http://schemas.microsoft.com/office/drawing/2014/main" id="{895CED2E-421C-EA52-266B-EDFD39E85468}"/>
               </a:ext>
             </a:extLst>
           </p:cNvPr>
@@ -2902,7 +2902,7 @@
             </a:lvl1pPr>
           </a:lstStyle>
           <a:p>
-            <a:fld id="{43BFFB1C-F858-4D1A-ACD4-29152371A5B4}" type="datetimeFigureOut">
+            <a:fld id="{B637280C-5F78-47FD-8E6B-0E55558C5A7D}" type="datetimeFigureOut">
               <a:rPr lang="zh-CN" altLang="en-US" smtClean="0"/>
               <a:t>2024/3/10</a:t>
             </a:fld>
@@ -2915,7 +2915,7 @@
           <p:cNvPr id="5" name="页脚占位符 4">
             <a:extLst>
               <a:ext uri="{FF2B5EF4-FFF2-40B4-BE49-F238E27FC236}">
-                <a16:creationId xmlns:a16="http://schemas.microsoft.com/office/drawing/2014/main" id="{698ED102-F27B-814A-D9DF-84A2D072ACD5}"/>
+                <a16:creationId xmlns:a16="http://schemas.microsoft.com/office/drawing/2014/main" id="{F7CBB7BD-65E2-26C5-DAD0-6C03A8DF0E85}"/>
               </a:ext>
             </a:extLst>
           </p:cNvPr>
@@ -2958,7 +2958,7 @@
           <p:cNvPr id="6" name="灯片编号占位符 5">
             <a:extLst>
               <a:ext uri="{FF2B5EF4-FFF2-40B4-BE49-F238E27FC236}">
-                <a16:creationId xmlns:a16="http://schemas.microsoft.com/office/drawing/2014/main" id="{31518651-960E-3BBB-1568-A9EEC928E164}"/>
+                <a16:creationId xmlns:a16="http://schemas.microsoft.com/office/drawing/2014/main" id="{3BB74060-2E0D-3CAF-8AE9-9E3F1C281F0A}"/>
               </a:ext>
             </a:extLst>
           </p:cNvPr>
@@ -2992,7 +2992,7 @@
             </a:lvl1pPr>
           </a:lstStyle>
           <a:p>
-            <a:fld id="{47CDEC8C-B9A0-4E40-A572-D8706F5DC74F}" type="slidenum">
+            <a:fld id="{E47BEAB8-929C-456C-A144-D2162FD1EAB3}" type="slidenum">
               <a:rPr lang="zh-CN" altLang="en-US" smtClean="0"/>
               <a:t>‹#›</a:t>
             </a:fld>
@@ -3003,7 +3003,7 @@
     </p:spTree>
     <p:extLst>
       <p:ext uri="{BB962C8B-B14F-4D97-AF65-F5344CB8AC3E}">
-        <p14:creationId xmlns:p14="http://schemas.microsoft.com/office/powerpoint/2010/main" val="722524711"/>
+        <p14:creationId xmlns:p14="http://schemas.microsoft.com/office/powerpoint/2010/main" val="90497290"/>
       </p:ext>
     </p:extLst>
   </p:cSld>
@@ -3323,7 +3323,7 @@
       </p:grpSpPr>
       <p:pic>
         <p:nvPicPr>
-          <p:cNvPr id="1265666" name="Picture 2" descr="1235"/>
+          <p:cNvPr id="1266690" name="Picture 2" descr="1236"/>
           <p:cNvPicPr>
             <a:picLocks noChangeAspect="1" noChangeArrowheads="1"/>
           </p:cNvPicPr>
@@ -3375,11 +3375,158 @@
           </a:extLst>
         </p:spPr>
       </p:pic>
+      <p:pic>
+        <p:nvPicPr>
+          <p:cNvPr id="1267715" name="Picture 3" descr="1236-2"/>
+          <p:cNvPicPr>
+            <a:picLocks noChangeAspect="1" noChangeArrowheads="1"/>
+          </p:cNvPicPr>
+          <p:nvPr/>
+        </p:nvPicPr>
+        <p:blipFill>
+          <a:blip r:embed="rId3">
+            <a:extLst>
+              <a:ext uri="{28A0092B-C50C-407E-A947-70E740481C1C}">
+                <a14:useLocalDpi xmlns:a14="http://schemas.microsoft.com/office/drawing/2010/main" val="0"/>
+              </a:ext>
+            </a:extLst>
+          </a:blip>
+          <a:srcRect/>
+          <a:stretch>
+            <a:fillRect/>
+          </a:stretch>
+        </p:blipFill>
+        <p:spPr bwMode="auto">
+          <a:xfrm>
+            <a:off x="1501776" y="-14288"/>
+            <a:ext cx="9166225" cy="6972301"/>
+          </a:xfrm>
+          <a:prstGeom prst="rect">
+            <a:avLst/>
+          </a:prstGeom>
+          <a:noFill/>
+          <a:ln>
+            <a:noFill/>
+          </a:ln>
+          <a:effectLst/>
+          <a:extLst>
+            <a:ext uri="{909E8E84-426E-40DD-AFC4-6F175D3DCCD1}">
+              <a14:hiddenFill xmlns:a14="http://schemas.microsoft.com/office/drawing/2010/main">
+                <a:solidFill>
+                  <a:srgbClr val="FFFFFF"/>
+                </a:solidFill>
+              </a14:hiddenFill>
+            </a:ext>
+            <a:ext uri="{91240B29-F687-4F45-9708-019B960494DF}">
+              <a14:hiddenLine xmlns:a14="http://schemas.microsoft.com/office/drawing/2010/main" w="9525">
+                <a:solidFill>
+                  <a:srgbClr val="000000"/>
+                </a:solidFill>
+                <a:miter lim="800000"/>
+                <a:headEnd/>
+                <a:tailEnd/>
+              </a14:hiddenLine>
+            </a:ext>
+            <a:ext uri="{AF507438-7753-43E0-B8FC-AC1667EBCBE1}">
+              <a14:hiddenEffects xmlns:a14="http://schemas.microsoft.com/office/drawing/2010/main">
+                <a:effectLst>
+                  <a:outerShdw dist="35921" dir="2700000" algn="ctr" rotWithShape="0">
+                    <a:srgbClr val="808080"/>
+                  </a:outerShdw>
+                </a:effectLst>
+              </a14:hiddenEffects>
+            </a:ext>
+          </a:extLst>
+        </p:spPr>
+      </p:pic>
     </p:spTree>
   </p:cSld>
   <p:clrMapOvr>
     <a:masterClrMapping/>
   </p:clrMapOvr>
+  <p:timing>
+    <p:tnLst>
+      <p:par>
+        <p:cTn id="1" dur="indefinite" restart="never" nodeType="tmRoot">
+          <p:childTnLst>
+            <p:seq concurrent="1" nextAc="seek">
+              <p:cTn id="2" dur="indefinite" nodeType="mainSeq">
+                <p:childTnLst>
+                  <p:par>
+                    <p:cTn id="3" fill="hold" nodeType="clickPar">
+                      <p:stCondLst>
+                        <p:cond delay="indefinite"/>
+                      </p:stCondLst>
+                      <p:childTnLst>
+                        <p:par>
+                          <p:cTn id="4" fill="hold" nodeType="withGroup">
+                            <p:stCondLst>
+                              <p:cond delay="0"/>
+                            </p:stCondLst>
+                            <p:childTnLst>
+                              <p:par>
+                                <p:cTn id="5" presetID="10" presetClass="entr" presetSubtype="0" fill="hold" nodeType="clickEffect">
+                                  <p:stCondLst>
+                                    <p:cond delay="0"/>
+                                  </p:stCondLst>
+                                  <p:childTnLst>
+                                    <p:set>
+                                      <p:cBhvr>
+                                        <p:cTn id="6" dur="1" fill="hold">
+                                          <p:stCondLst>
+                                            <p:cond delay="0"/>
+                                          </p:stCondLst>
+                                        </p:cTn>
+                                        <p:tgtEl>
+                                          <p:spTgt spid="1267715"/>
+                                        </p:tgtEl>
+                                        <p:attrNameLst>
+                                          <p:attrName>style.visibility</p:attrName>
+                                        </p:attrNameLst>
+                                      </p:cBhvr>
+                                      <p:to>
+                                        <p:strVal val="visible"/>
+                                      </p:to>
+                                    </p:set>
+                                    <p:animEffect transition="in" filter="fade">
+                                      <p:cBhvr>
+                                        <p:cTn id="7" dur="500"/>
+                                        <p:tgtEl>
+                                          <p:spTgt spid="1267715"/>
+                                        </p:tgtEl>
+                                      </p:cBhvr>
+                                    </p:animEffect>
+                                  </p:childTnLst>
+                                </p:cTn>
+                              </p:par>
+                            </p:childTnLst>
+                          </p:cTn>
+                        </p:par>
+                      </p:childTnLst>
+                    </p:cTn>
+                  </p:par>
+                </p:childTnLst>
+              </p:cTn>
+              <p:prevCondLst>
+                <p:cond evt="onPrev" delay="0">
+                  <p:tgtEl>
+                    <p:sldTgt/>
+                  </p:tgtEl>
+                </p:cond>
+              </p:prevCondLst>
+              <p:nextCondLst>
+                <p:cond evt="onNext" delay="0">
+                  <p:tgtEl>
+                    <p:sldTgt/>
+                  </p:tgtEl>
+                </p:cond>
+              </p:nextCondLst>
+            </p:seq>
+          </p:childTnLst>
+        </p:cTn>
+      </p:par>
+    </p:tnLst>
+  </p:timing>
 </p:sld>
 </file>
 
